--- a/Mid-Bootcamp project Gantt.pptx
+++ b/Mid-Bootcamp project Gantt.pptx
@@ -108,7 +108,20 @@
       </a:defRPr>
     </a:lvl9pPr>
   </p:defaultTextStyle>
+  <p:extLst>
+    <p:ext uri="{EFAFB233-063F-42B5-8137-9DF3F51BA10A}">
+      <p15:sldGuideLst xmlns:p15="http://schemas.microsoft.com/office/powerpoint/2012/main"/>
+    </p:ext>
+  </p:extLst>
 </p:presentation>
+</file>
+
+<file path=ppt/revisionInfo.xml><?xml version="1.0" encoding="utf-8"?>
+<p1510:revInfo xmlns:a="http://schemas.openxmlformats.org/drawingml/2006/main" xmlns:r="http://schemas.openxmlformats.org/officeDocument/2006/relationships" xmlns:p1510="http://schemas.microsoft.com/office/powerpoint/2015/10/main">
+  <p1510:revLst>
+    <p1510:client id="{6DEE0F48-C079-4995-93F8-DB207E745459}" v="8" dt="2022-11-17T15:57:35.050"/>
+  </p1510:revLst>
+</p1510:revInfo>
 </file>
 
 <file path=ppt/slideLayouts/slideLayout1.xml><?xml version="1.0" encoding="utf-8"?>
@@ -296,7 +309,7 @@
           <a:p>
             <a:fld id="{88D38747-4367-4BD2-8D51-C97E202738E2}" type="datetime1">
               <a:rPr lang="en-US" smtClean="0"/>
-              <a:t>11/15/2022</a:t>
+              <a:t>11/17/2022</a:t>
             </a:fld>
             <a:endParaRPr lang="en-US" dirty="0"/>
           </a:p>
@@ -601,7 +614,7 @@
           <a:p>
             <a:fld id="{11F1B079-7EF0-44EE-B798-BCC497C9F3B2}" type="datetime1">
               <a:rPr lang="en-US" smtClean="0"/>
-              <a:t>11/15/2022</a:t>
+              <a:t>11/17/2022</a:t>
             </a:fld>
             <a:endParaRPr lang="en-US" dirty="0"/>
           </a:p>
@@ -795,7 +808,7 @@
           <a:p>
             <a:fld id="{28FF70A8-1D13-4657-95F0-A9EA54967B8D}" type="datetime1">
               <a:rPr lang="en-US" smtClean="0"/>
-              <a:t>11/15/2022</a:t>
+              <a:t>11/17/2022</a:t>
             </a:fld>
             <a:endParaRPr lang="en-US" dirty="0"/>
           </a:p>
@@ -1058,7 +1071,7 @@
           <a:p>
             <a:fld id="{21EB90AC-71BD-4C7F-8ACA-7B3F18292E63}" type="datetime1">
               <a:rPr lang="en-US" smtClean="0"/>
-              <a:t>11/15/2022</a:t>
+              <a:t>11/17/2022</a:t>
             </a:fld>
             <a:endParaRPr lang="en-US" dirty="0"/>
           </a:p>
@@ -1494,7 +1507,7 @@
           <a:p>
             <a:fld id="{4E6EFC2C-8905-46F0-B443-CE905B76BA01}" type="datetime1">
               <a:rPr lang="en-US" smtClean="0"/>
-              <a:t>11/15/2022</a:t>
+              <a:t>11/17/2022</a:t>
             </a:fld>
             <a:endParaRPr lang="en-US" dirty="0"/>
           </a:p>
@@ -2031,7 +2044,7 @@
           <a:p>
             <a:fld id="{D9079DC3-C9B5-499E-9140-0DC28B7074E2}" type="datetime1">
               <a:rPr lang="en-US" smtClean="0"/>
-              <a:t>11/15/2022</a:t>
+              <a:t>11/17/2022</a:t>
             </a:fld>
             <a:endParaRPr lang="en-US" dirty="0"/>
           </a:p>
@@ -2913,7 +2926,7 @@
           <a:p>
             <a:fld id="{30BB33EA-E472-4D22-9C03-A9C14AA21CED}" type="datetime1">
               <a:rPr lang="en-US" smtClean="0"/>
-              <a:t>11/15/2022</a:t>
+              <a:t>11/17/2022</a:t>
             </a:fld>
             <a:endParaRPr lang="en-US" dirty="0"/>
           </a:p>
@@ -3083,7 +3096,7 @@
           <a:p>
             <a:fld id="{217E833E-1B6D-415F-AD29-75AE8C43BD0D}" type="datetime1">
               <a:rPr lang="en-US" smtClean="0"/>
-              <a:t>11/15/2022</a:t>
+              <a:t>11/17/2022</a:t>
             </a:fld>
             <a:endParaRPr lang="en-US" dirty="0"/>
           </a:p>
@@ -3267,7 +3280,7 @@
           <a:p>
             <a:fld id="{8452596F-08A7-4B70-989A-F2B1CF31E66B}" type="datetime1">
               <a:rPr lang="en-US" smtClean="0"/>
-              <a:t>11/15/2022</a:t>
+              <a:t>11/17/2022</a:t>
             </a:fld>
             <a:endParaRPr lang="en-US" dirty="0"/>
           </a:p>
@@ -3437,7 +3450,7 @@
           <a:p>
             <a:fld id="{73C55A3C-5767-4844-A0A3-83778C2E5409}" type="datetime1">
               <a:rPr lang="en-US" smtClean="0"/>
-              <a:t>11/15/2022</a:t>
+              <a:t>11/17/2022</a:t>
             </a:fld>
             <a:endParaRPr lang="en-US" dirty="0"/>
           </a:p>
@@ -3681,7 +3694,7 @@
           <a:p>
             <a:fld id="{CAE507A8-A5CF-4D38-AB86-7EDDA87A85D4}" type="datetime1">
               <a:rPr lang="en-US" smtClean="0"/>
-              <a:t>11/15/2022</a:t>
+              <a:t>11/17/2022</a:t>
             </a:fld>
             <a:endParaRPr lang="en-US" dirty="0"/>
           </a:p>
@@ -3923,7 +3936,7 @@
           <a:p>
             <a:fld id="{BDFCD27C-8599-43EF-BA1D-14DDC1946E06}" type="datetime1">
               <a:rPr lang="en-US" smtClean="0"/>
-              <a:t>11/15/2022</a:t>
+              <a:t>11/17/2022</a:t>
             </a:fld>
             <a:endParaRPr lang="en-US" dirty="0"/>
           </a:p>
@@ -4404,7 +4417,7 @@
           <a:p>
             <a:fld id="{49343D99-809A-49C0-96E5-4250D0B498EE}" type="datetime1">
               <a:rPr lang="en-US" smtClean="0"/>
-              <a:t>11/15/2022</a:t>
+              <a:t>11/17/2022</a:t>
             </a:fld>
             <a:endParaRPr lang="en-US" dirty="0"/>
           </a:p>
@@ -4522,7 +4535,7 @@
           <a:p>
             <a:fld id="{A143DE9B-B678-4EFB-BB7D-A4370204A0B0}" type="datetime1">
               <a:rPr lang="en-US" smtClean="0"/>
-              <a:t>11/15/2022</a:t>
+              <a:t>11/17/2022</a:t>
             </a:fld>
             <a:endParaRPr lang="en-US" dirty="0"/>
           </a:p>
@@ -4617,7 +4630,7 @@
           <a:p>
             <a:fld id="{E68812DA-F765-4142-A6A3-A8ED7235E082}" type="datetime1">
               <a:rPr lang="en-US" smtClean="0"/>
-              <a:t>11/15/2022</a:t>
+              <a:t>11/17/2022</a:t>
             </a:fld>
             <a:endParaRPr lang="en-US" dirty="0"/>
           </a:p>
@@ -4872,7 +4885,7 @@
           <a:p>
             <a:fld id="{3E0277FD-7DE6-41D4-930D-AC99F5AFE54E}" type="datetime1">
               <a:rPr lang="en-US" smtClean="0"/>
-              <a:t>11/15/2022</a:t>
+              <a:t>11/17/2022</a:t>
             </a:fld>
             <a:endParaRPr lang="en-US" dirty="0"/>
           </a:p>
@@ -5179,7 +5192,7 @@
           <a:p>
             <a:fld id="{9EA15526-7079-4B7B-987C-1B5FAE11A0FF}" type="datetime1">
               <a:rPr lang="en-US" smtClean="0"/>
-              <a:t>11/15/2022</a:t>
+              <a:t>11/17/2022</a:t>
             </a:fld>
             <a:endParaRPr lang="en-US" dirty="0"/>
           </a:p>
@@ -5277,7 +5290,7 @@
           </p:cNvGraphicFramePr>
           <p:nvPr userDrawn="1">
             <p:custDataLst>
-              <p:tags r:id="rId20"/>
+              <p:tags r:id="rId19"/>
             </p:custDataLst>
             <p:extLst>
               <p:ext uri="{D42A27DB-BD31-4B8C-83A1-F6EECF244321}">
@@ -5294,21 +5307,27 @@
           <a:graphicData uri="http://schemas.openxmlformats.org/presentationml/2006/ole">
             <mc:AlternateContent xmlns:mc="http://schemas.openxmlformats.org/markup-compatibility/2006">
               <mc:Choice xmlns:v="urn:schemas-microsoft-com:vml" Requires="v">
-                <p:oleObj spid="_x0000_s1027" name="think-cell Slide" r:id="rId21" imgW="395" imgH="394" progId="TCLayout.ActiveDocument.1">
+                <p:oleObj name="think-cell Slide" r:id="rId20" imgW="395" imgH="394" progId="TCLayout.ActiveDocument.1">
                   <p:embed/>
                 </p:oleObj>
               </mc:Choice>
               <mc:Fallback>
-                <p:oleObj name="think-cell Slide" r:id="rId21" imgW="395" imgH="394" progId="TCLayout.ActiveDocument.1">
+                <p:oleObj name="think-cell Slide" r:id="rId20" imgW="395" imgH="394" progId="TCLayout.ActiveDocument.1">
                   <p:embed/>
                   <p:pic>
                     <p:nvPicPr>
-                      <p:cNvPr id="0" name=""/>
+                      <p:cNvPr id="8" name="Object 7" hidden="1">
+                        <a:extLst>
+                          <a:ext uri="{FF2B5EF4-FFF2-40B4-BE49-F238E27FC236}">
+                            <a16:creationId xmlns:a16="http://schemas.microsoft.com/office/drawing/2014/main" id="{55D892B1-B075-42DF-B040-428097694964}"/>
+                          </a:ext>
+                        </a:extLst>
+                      </p:cNvPr>
                       <p:cNvPicPr/>
                       <p:nvPr/>
                     </p:nvPicPr>
                     <p:blipFill>
-                      <a:blip r:embed="rId22"/>
+                      <a:blip r:embed="rId21"/>
                       <a:stretch>
                         <a:fillRect/>
                       </a:stretch>
@@ -5480,7 +5499,7 @@
           <a:p>
             <a:fld id="{073ED0CC-082F-4160-86E5-0D6041F12778}" type="datetime1">
               <a:rPr lang="en-US" smtClean="0"/>
-              <a:t>11/15/2022</a:t>
+              <a:t>11/17/2022</a:t>
             </a:fld>
             <a:endParaRPr lang="en-US" dirty="0"/>
           </a:p>
@@ -6162,7 +6181,7 @@
     <p:bg>
       <p:bgPr>
         <a:blipFill rotWithShape="1">
-          <a:blip r:embed="rId4">
+          <a:blip r:embed="rId3">
             <a:duotone>
               <a:schemeClr val="bg1">
                 <a:shade val="80000"/>
@@ -6206,7 +6225,7 @@
           </p:cNvGraphicFramePr>
           <p:nvPr>
             <p:custDataLst>
-              <p:tags r:id="rId2"/>
+              <p:tags r:id="rId1"/>
             </p:custDataLst>
             <p:extLst>
               <p:ext uri="{D42A27DB-BD31-4B8C-83A1-F6EECF244321}">
@@ -6223,21 +6242,27 @@
           <a:graphicData uri="http://schemas.openxmlformats.org/presentationml/2006/ole">
             <mc:AlternateContent xmlns:mc="http://schemas.openxmlformats.org/markup-compatibility/2006">
               <mc:Choice xmlns:v="urn:schemas-microsoft-com:vml" Requires="v">
-                <p:oleObj spid="_x0000_s2051" name="think-cell Slide" r:id="rId5" imgW="395" imgH="394" progId="TCLayout.ActiveDocument.1">
+                <p:oleObj name="think-cell Slide" r:id="rId4" imgW="395" imgH="394" progId="TCLayout.ActiveDocument.1">
                   <p:embed/>
                 </p:oleObj>
               </mc:Choice>
               <mc:Fallback>
-                <p:oleObj name="think-cell Slide" r:id="rId5" imgW="395" imgH="394" progId="TCLayout.ActiveDocument.1">
+                <p:oleObj name="think-cell Slide" r:id="rId4" imgW="395" imgH="394" progId="TCLayout.ActiveDocument.1">
                   <p:embed/>
                   <p:pic>
                     <p:nvPicPr>
-                      <p:cNvPr id="0" name=""/>
+                      <p:cNvPr id="5" name="Object 4" hidden="1">
+                        <a:extLst>
+                          <a:ext uri="{FF2B5EF4-FFF2-40B4-BE49-F238E27FC236}">
+                            <a16:creationId xmlns:a16="http://schemas.microsoft.com/office/drawing/2014/main" id="{2020805A-EBB8-4509-83DE-33E97F82E7A8}"/>
+                          </a:ext>
+                        </a:extLst>
+                      </p:cNvPr>
                       <p:cNvPicPr/>
                       <p:nvPr/>
                     </p:nvPicPr>
                     <p:blipFill>
-                      <a:blip r:embed="rId6"/>
+                      <a:blip r:embed="rId5"/>
                       <a:stretch>
                         <a:fillRect/>
                       </a:stretch>
@@ -6436,7 +6461,7 @@
           <p:nvPr/>
         </p:nvPicPr>
         <p:blipFill rotWithShape="1">
-          <a:blip r:embed="rId7"/>
+          <a:blip r:embed="rId6"/>
           <a:srcRect l="19732" r="6902" b="-1"/>
           <a:stretch/>
         </p:blipFill>
@@ -6494,7 +6519,7 @@
           </p:cNvGraphicFramePr>
           <p:nvPr>
             <p:custDataLst>
-              <p:tags r:id="rId2"/>
+              <p:tags r:id="rId1"/>
             </p:custDataLst>
             <p:extLst>
               <p:ext uri="{D42A27DB-BD31-4B8C-83A1-F6EECF244321}">
@@ -6511,21 +6536,27 @@
           <a:graphicData uri="http://schemas.openxmlformats.org/presentationml/2006/ole">
             <mc:AlternateContent xmlns:mc="http://schemas.openxmlformats.org/markup-compatibility/2006">
               <mc:Choice xmlns:v="urn:schemas-microsoft-com:vml" Requires="v">
-                <p:oleObj spid="_x0000_s3077" name="think-cell Slide" r:id="rId4" imgW="395" imgH="394" progId="TCLayout.ActiveDocument.1">
+                <p:oleObj name="think-cell Slide" r:id="rId3" imgW="395" imgH="394" progId="TCLayout.ActiveDocument.1">
                   <p:embed/>
                 </p:oleObj>
               </mc:Choice>
               <mc:Fallback>
-                <p:oleObj name="think-cell Slide" r:id="rId4" imgW="395" imgH="394" progId="TCLayout.ActiveDocument.1">
+                <p:oleObj name="think-cell Slide" r:id="rId3" imgW="395" imgH="394" progId="TCLayout.ActiveDocument.1">
                   <p:embed/>
                   <p:pic>
                     <p:nvPicPr>
-                      <p:cNvPr id="0" name=""/>
+                      <p:cNvPr id="4" name="Object 3" hidden="1">
+                        <a:extLst>
+                          <a:ext uri="{FF2B5EF4-FFF2-40B4-BE49-F238E27FC236}">
+                            <a16:creationId xmlns:a16="http://schemas.microsoft.com/office/drawing/2014/main" id="{0B8642B7-DC06-4362-8366-64FC3DE4D2A4}"/>
+                          </a:ext>
+                        </a:extLst>
+                      </p:cNvPr>
                       <p:cNvPicPr/>
                       <p:nvPr/>
                     </p:nvPicPr>
                     <p:blipFill>
-                      <a:blip r:embed="rId5"/>
+                      <a:blip r:embed="rId4"/>
                       <a:stretch>
                         <a:fillRect/>
                       </a:stretch>
